--- a/input/images-source/LabExampleE7TechnicalPart2.pptx
+++ b/input/images-source/LabExampleE7TechnicalPart2.pptx
@@ -260,7 +260,7 @@
           <a:p>
             <a:fld id="{82A80506-317F-4DB9-92D4-7565E8A7FA19}" type="datetimeFigureOut">
               <a:rPr lang="fr-FR" smtClean="0"/>
-              <a:t>24/06/2020</a:t>
+              <a:t>27/06/2020</a:t>
             </a:fld>
             <a:endParaRPr lang="fr-FR"/>
           </a:p>
@@ -458,7 +458,7 @@
           <a:p>
             <a:fld id="{82A80506-317F-4DB9-92D4-7565E8A7FA19}" type="datetimeFigureOut">
               <a:rPr lang="fr-FR" smtClean="0"/>
-              <a:t>24/06/2020</a:t>
+              <a:t>27/06/2020</a:t>
             </a:fld>
             <a:endParaRPr lang="fr-FR"/>
           </a:p>
@@ -666,7 +666,7 @@
           <a:p>
             <a:fld id="{82A80506-317F-4DB9-92D4-7565E8A7FA19}" type="datetimeFigureOut">
               <a:rPr lang="fr-FR" smtClean="0"/>
-              <a:t>24/06/2020</a:t>
+              <a:t>27/06/2020</a:t>
             </a:fld>
             <a:endParaRPr lang="fr-FR"/>
           </a:p>
@@ -864,7 +864,7 @@
           <a:p>
             <a:fld id="{82A80506-317F-4DB9-92D4-7565E8A7FA19}" type="datetimeFigureOut">
               <a:rPr lang="fr-FR" smtClean="0"/>
-              <a:t>24/06/2020</a:t>
+              <a:t>27/06/2020</a:t>
             </a:fld>
             <a:endParaRPr lang="fr-FR"/>
           </a:p>
@@ -1139,7 +1139,7 @@
           <a:p>
             <a:fld id="{82A80506-317F-4DB9-92D4-7565E8A7FA19}" type="datetimeFigureOut">
               <a:rPr lang="fr-FR" smtClean="0"/>
-              <a:t>24/06/2020</a:t>
+              <a:t>27/06/2020</a:t>
             </a:fld>
             <a:endParaRPr lang="fr-FR"/>
           </a:p>
@@ -1404,7 +1404,7 @@
           <a:p>
             <a:fld id="{82A80506-317F-4DB9-92D4-7565E8A7FA19}" type="datetimeFigureOut">
               <a:rPr lang="fr-FR" smtClean="0"/>
-              <a:t>24/06/2020</a:t>
+              <a:t>27/06/2020</a:t>
             </a:fld>
             <a:endParaRPr lang="fr-FR"/>
           </a:p>
@@ -1816,7 +1816,7 @@
           <a:p>
             <a:fld id="{82A80506-317F-4DB9-92D4-7565E8A7FA19}" type="datetimeFigureOut">
               <a:rPr lang="fr-FR" smtClean="0"/>
-              <a:t>24/06/2020</a:t>
+              <a:t>27/06/2020</a:t>
             </a:fld>
             <a:endParaRPr lang="fr-FR"/>
           </a:p>
@@ -1957,7 +1957,7 @@
           <a:p>
             <a:fld id="{82A80506-317F-4DB9-92D4-7565E8A7FA19}" type="datetimeFigureOut">
               <a:rPr lang="fr-FR" smtClean="0"/>
-              <a:t>24/06/2020</a:t>
+              <a:t>27/06/2020</a:t>
             </a:fld>
             <a:endParaRPr lang="fr-FR"/>
           </a:p>
@@ -2070,7 +2070,7 @@
           <a:p>
             <a:fld id="{82A80506-317F-4DB9-92D4-7565E8A7FA19}" type="datetimeFigureOut">
               <a:rPr lang="fr-FR" smtClean="0"/>
-              <a:t>24/06/2020</a:t>
+              <a:t>27/06/2020</a:t>
             </a:fld>
             <a:endParaRPr lang="fr-FR"/>
           </a:p>
@@ -2381,7 +2381,7 @@
           <a:p>
             <a:fld id="{82A80506-317F-4DB9-92D4-7565E8A7FA19}" type="datetimeFigureOut">
               <a:rPr lang="fr-FR" smtClean="0"/>
-              <a:t>24/06/2020</a:t>
+              <a:t>27/06/2020</a:t>
             </a:fld>
             <a:endParaRPr lang="fr-FR"/>
           </a:p>
@@ -2669,7 +2669,7 @@
           <a:p>
             <a:fld id="{82A80506-317F-4DB9-92D4-7565E8A7FA19}" type="datetimeFigureOut">
               <a:rPr lang="fr-FR" smtClean="0"/>
-              <a:t>24/06/2020</a:t>
+              <a:t>27/06/2020</a:t>
             </a:fld>
             <a:endParaRPr lang="fr-FR"/>
           </a:p>
@@ -2910,7 +2910,7 @@
           <a:p>
             <a:fld id="{82A80506-317F-4DB9-92D4-7565E8A7FA19}" type="datetimeFigureOut">
               <a:rPr lang="fr-FR" smtClean="0"/>
-              <a:t>24/06/2020</a:t>
+              <a:t>27/06/2020</a:t>
             </a:fld>
             <a:endParaRPr lang="fr-FR"/>
           </a:p>
@@ -3341,8 +3341,8 @@
         </p:nvSpPr>
         <p:spPr>
           <a:xfrm>
-            <a:off x="154206" y="26710"/>
-            <a:ext cx="9838880" cy="430887"/>
+            <a:off x="154205" y="26710"/>
+            <a:ext cx="10109603" cy="430887"/>
           </a:xfrm>
           <a:prstGeom prst="rect">
             <a:avLst/>
@@ -3357,7 +3357,7 @@
           <a:p>
             <a:r>
               <a:rPr lang="en-US" sz="2200" dirty="0"/>
-              <a:t>E7 – Part 2: Torch </a:t>
+              <a:t>E7 – Part 2: TORCH </a:t>
             </a:r>
             <a:r>
               <a:rPr lang="en-US" sz="2200" dirty="0">
